--- a/img/proxy0.pptx
+++ b/img/proxy0.pptx
@@ -151,7 +151,7 @@
       </p14:sectionLst>
     </p:ext>
     <p:ext uri="{EFAFB233-063F-42B5-8137-9DF3F51BA10A}">
-      <p15:sldGuideLst xmlns="" xmlns:p15="http://schemas.microsoft.com/office/powerpoint/2012/main">
+      <p15:sldGuideLst xmlns:p15="http://schemas.microsoft.com/office/powerpoint/2012/main" xmlns="">
         <p15:guide id="1" orient="horz" pos="2160">
           <p15:clr>
             <a:srgbClr val="A4A3A4"/>
@@ -165,7 +165,7 @@
       </p15:sldGuideLst>
     </p:ext>
     <p:ext uri="{2D200454-40CA-4A62-9FC3-DE9A4176ACB9}">
-      <p15:notesGuideLst xmlns="" xmlns:p15="http://schemas.microsoft.com/office/powerpoint/2012/main">
+      <p15:notesGuideLst xmlns:p15="http://schemas.microsoft.com/office/powerpoint/2012/main" xmlns="">
         <p15:guide id="1" orient="horz" pos="3223">
           <p15:clr>
             <a:srgbClr val="A4A3A4"/>
@@ -1995,8 +1995,8 @@
           </a:p>
         </p:txBody>
       </p:sp>
-      <mc:AlternateContent xmlns:mc="http://schemas.openxmlformats.org/markup-compatibility/2006">
-        <mc:Choice xmlns:a14="http://schemas.microsoft.com/office/drawing/2010/main" Requires="a14">
+      <mc:AlternateContent xmlns:mc="http://schemas.openxmlformats.org/markup-compatibility/2006" xmlns:a14="http://schemas.microsoft.com/office/drawing/2010/main">
+        <mc:Choice Requires="a14">
           <p:sp useBgFill="1">
             <p:nvSpPr>
               <p:cNvPr id="43" name="角丸四角形 42"/>
@@ -2086,7 +2086,7 @@
             </p:txBody>
           </p:sp>
         </mc:Choice>
-        <mc:Fallback>
+        <mc:Fallback xmlns="">
           <p:sp useBgFill="1">
             <p:nvSpPr>
               <p:cNvPr id="43" name="角丸四角形 42"/>
@@ -2170,8 +2170,8 @@
           </a:fontRef>
         </p:style>
       </p:cxnSp>
-      <mc:AlternateContent xmlns:mc="http://schemas.openxmlformats.org/markup-compatibility/2006">
-        <mc:Choice xmlns:a14="http://schemas.microsoft.com/office/drawing/2010/main" Requires="a14">
+      <mc:AlternateContent xmlns:mc="http://schemas.openxmlformats.org/markup-compatibility/2006" xmlns:a14="http://schemas.microsoft.com/office/drawing/2010/main">
+        <mc:Choice Requires="a14">
           <p:sp useBgFill="1">
             <p:nvSpPr>
               <p:cNvPr id="51" name="角丸四角形 50"/>
@@ -2261,7 +2261,7 @@
             </p:txBody>
           </p:sp>
         </mc:Choice>
-        <mc:Fallback>
+        <mc:Fallback xmlns="">
           <p:sp useBgFill="1">
             <p:nvSpPr>
               <p:cNvPr id="51" name="角丸四角形 50"/>
@@ -2450,14 +2450,6 @@
                       <m:jc m:val="centerGroup"/>
                     </m:oMathParaPr>
                     <m:oMath xmlns:m="http://schemas.openxmlformats.org/officeDocument/2006/math">
-                      <m:r>
-                        <a:rPr lang="en-US" altLang="ja-JP" sz="1200" b="0" i="1" smtClean="0">
-                          <a:latin typeface="Cambria Math"/>
-                          <a:ea typeface="ＭＳ ゴシック" pitchFamily="49" charset="-128"/>
-                          <a:cs typeface="Courier New" pitchFamily="49" charset="0"/>
-                        </a:rPr>
-                        <m:t>𝐸𝑛</m:t>
-                      </m:r>
                       <m:sSub>
                         <m:sSubPr>
                           <m:ctrlPr>
@@ -2481,12 +2473,15 @@
                             </m:sSubPr>
                             <m:e>
                               <m:r>
-                                <a:rPr lang="en-US" altLang="ja-JP" sz="1200" b="0" i="1" smtClean="0">
+                                <m:rPr>
+                                  <m:sty m:val="p"/>
+                                </m:rPr>
+                                <a:rPr lang="en-US" altLang="ja-JP" sz="1200" b="0" i="0" smtClean="0">
                                   <a:latin typeface="Cambria Math"/>
                                   <a:ea typeface="ＭＳ ゴシック" pitchFamily="49" charset="-128"/>
                                   <a:cs typeface="Courier New" pitchFamily="49" charset="0"/>
                                 </a:rPr>
-                                <m:t>𝑐</m:t>
+                                <m:t>Enc</m:t>
                               </m:r>
                             </m:e>
                             <m:sub>
